--- a/Slide/12- Exception Handling.pptx
+++ b/Slide/12- Exception Handling.pptx
@@ -5,10 +5,10 @@
     <p:sldMasterId id="2147483714" r:id="rId4"/>
   </p:sldMasterIdLst>
   <p:notesMasterIdLst>
-    <p:notesMasterId r:id="rId23"/>
+    <p:notesMasterId r:id="rId25"/>
   </p:notesMasterIdLst>
   <p:handoutMasterIdLst>
-    <p:handoutMasterId r:id="rId24"/>
+    <p:handoutMasterId r:id="rId26"/>
   </p:handoutMasterIdLst>
   <p:sldIdLst>
     <p:sldId id="263" r:id="rId5"/>
@@ -28,7 +28,9 @@
     <p:sldId id="470" r:id="rId19"/>
     <p:sldId id="345" r:id="rId20"/>
     <p:sldId id="436" r:id="rId21"/>
-    <p:sldId id="269" r:id="rId22"/>
+    <p:sldId id="472" r:id="rId22"/>
+    <p:sldId id="473" r:id="rId23"/>
+    <p:sldId id="269" r:id="rId24"/>
   </p:sldIdLst>
   <p:sldSz cx="12192000" cy="6858000"/>
   <p:notesSz cx="6858000" cy="9144000"/>
@@ -1077,7 +1079,7 @@
           <a:p>
             <a:fld id="{C051351B-2C5D-457B-ABE5-B64DBC7BD410}" type="slidenum">
               <a:rPr lang="en-US" smtClean="0"/>
-              <a:t>18</a:t>
+              <a:t>20</a:t>
             </a:fld>
             <a:endParaRPr lang="en-US" dirty="0"/>
           </a:p>
@@ -5964,7 +5966,7 @@
           <p:cNvPr id="2" name="Title 1">
             <a:extLst>
               <a:ext uri="{FF2B5EF4-FFF2-40B4-BE49-F238E27FC236}">
-                <a16:creationId xmlns:a16="http://schemas.microsoft.com/office/drawing/2014/main" id="{E971B2D1-ED4F-3F7E-6680-17E47645F005}"/>
+                <a16:creationId xmlns:a16="http://schemas.microsoft.com/office/drawing/2014/main" id="{96DCE2C1-8E27-A04C-F916-84D396FF02B0}"/>
               </a:ext>
             </a:extLst>
           </p:cNvPr>
@@ -5977,22 +5979,24 @@
         </p:nvSpPr>
         <p:spPr/>
         <p:txBody>
-          <a:bodyPr/>
-          <a:lstStyle/>
-          <a:p>
-            <a:r>
-              <a:rPr lang="en-US" dirty="0"/>
-              <a:t>Lecture Resources</a:t>
-            </a:r>
-          </a:p>
-        </p:txBody>
-      </p:sp>
-      <p:sp>
-        <p:nvSpPr>
-          <p:cNvPr id="3" name="Content Placeholder 2">
+          <a:bodyPr>
+            <a:normAutofit/>
+          </a:bodyPr>
+          <a:lstStyle/>
+          <a:p>
+            <a:r>
+              <a:rPr lang="en-US" sz="3600" dirty="0"/>
+              <a:t>AI can generate, like humans!</a:t>
+            </a:r>
+          </a:p>
+        </p:txBody>
+      </p:sp>
+      <p:sp>
+        <p:nvSpPr>
+          <p:cNvPr id="4" name="Footer Placeholder 3">
             <a:extLst>
               <a:ext uri="{FF2B5EF4-FFF2-40B4-BE49-F238E27FC236}">
-                <a16:creationId xmlns:a16="http://schemas.microsoft.com/office/drawing/2014/main" id="{048171A8-7BC9-A1CC-24DE-D1A363BFCAAB}"/>
+                <a16:creationId xmlns:a16="http://schemas.microsoft.com/office/drawing/2014/main" id="{0E912BE9-C8A9-D912-8976-BABA8DBDCE7F}"/>
               </a:ext>
             </a:extLst>
           </p:cNvPr>
@@ -6000,31 +6004,28 @@
             <a:spLocks noGrp="1"/>
           </p:cNvSpPr>
           <p:nvPr>
-            <p:ph idx="1"/>
-          </p:nvPr>
-        </p:nvSpPr>
-        <p:spPr/>
-        <p:txBody>
-          <a:bodyPr>
-            <a:normAutofit/>
-          </a:bodyPr>
-          <a:lstStyle/>
-          <a:p>
-            <a:pPr algn="just"/>
-            <a:endParaRPr lang="en-US" sz="2800" i="1" dirty="0"/>
-          </a:p>
-          <a:p>
-            <a:pPr algn="just"/>
-            <a:endParaRPr lang="en-US" sz="2800" i="1" dirty="0"/>
-          </a:p>
-        </p:txBody>
-      </p:sp>
-      <p:sp>
-        <p:nvSpPr>
-          <p:cNvPr id="4" name="Slide Number Placeholder 3">
+            <p:ph type="ftr" sz="quarter" idx="11"/>
+          </p:nvPr>
+        </p:nvSpPr>
+        <p:spPr/>
+        <p:txBody>
+          <a:bodyPr/>
+          <a:lstStyle/>
+          <a:p>
+            <a:r>
+              <a:rPr lang="en-US"/>
+              <a:t>Fundamental Programming with Python</a:t>
+            </a:r>
+            <a:endParaRPr lang="en-US" dirty="0"/>
+          </a:p>
+        </p:txBody>
+      </p:sp>
+      <p:sp>
+        <p:nvSpPr>
+          <p:cNvPr id="5" name="Slide Number Placeholder 4">
             <a:extLst>
               <a:ext uri="{FF2B5EF4-FFF2-40B4-BE49-F238E27FC236}">
-                <a16:creationId xmlns:a16="http://schemas.microsoft.com/office/drawing/2014/main" id="{1A07D2F6-E8B4-DCE8-6D7F-E8A49CF5128B}"/>
+                <a16:creationId xmlns:a16="http://schemas.microsoft.com/office/drawing/2014/main" id="{99D3CA28-E03A-80E6-9483-8A0C0C5C5120}"/>
               </a:ext>
             </a:extLst>
           </p:cNvPr>
@@ -6048,39 +6049,344 @@
           </a:p>
         </p:txBody>
       </p:sp>
-      <p:sp>
-        <p:nvSpPr>
-          <p:cNvPr id="5" name="Footer Placeholder 4">
+      <p:pic>
+        <p:nvPicPr>
+          <p:cNvPr id="2050" name="Picture 2" descr="No alternative text description for this image">
             <a:extLst>
               <a:ext uri="{FF2B5EF4-FFF2-40B4-BE49-F238E27FC236}">
-                <a16:creationId xmlns:a16="http://schemas.microsoft.com/office/drawing/2014/main" id="{F7926C1C-F8F8-36AC-3F81-B1B9194574F2}"/>
+                <a16:creationId xmlns:a16="http://schemas.microsoft.com/office/drawing/2014/main" id="{10046432-A85A-03AB-F920-FF870846310A}"/>
               </a:ext>
             </a:extLst>
           </p:cNvPr>
-          <p:cNvSpPr>
-            <a:spLocks noGrp="1"/>
-          </p:cNvSpPr>
-          <p:nvPr>
-            <p:ph type="ftr" sz="quarter" idx="11"/>
-          </p:nvPr>
-        </p:nvSpPr>
-        <p:spPr/>
-        <p:txBody>
-          <a:bodyPr/>
-          <a:lstStyle/>
-          <a:p>
-            <a:r>
-              <a:rPr lang="en-US"/>
-              <a:t>Fundamental Programming with Python</a:t>
-            </a:r>
-            <a:endParaRPr lang="en-US" dirty="0"/>
-          </a:p>
-        </p:txBody>
-      </p:sp>
+          <p:cNvPicPr>
+            <a:picLocks noGrp="1" noChangeAspect="1" noChangeArrowheads="1"/>
+          </p:cNvPicPr>
+          <p:nvPr>
+            <p:ph idx="1"/>
+          </p:nvPr>
+        </p:nvPicPr>
+        <p:blipFill>
+          <a:blip r:embed="rId2">
+            <a:extLst>
+              <a:ext uri="{28A0092B-C50C-407E-A947-70E740481C1C}">
+                <a14:useLocalDpi xmlns:a14="http://schemas.microsoft.com/office/drawing/2010/main" val="0"/>
+              </a:ext>
+            </a:extLst>
+          </a:blip>
+          <a:srcRect/>
+          <a:stretch>
+            <a:fillRect/>
+          </a:stretch>
+        </p:blipFill>
+        <p:spPr bwMode="auto">
+          <a:xfrm>
+            <a:off x="7218159" y="284176"/>
+            <a:ext cx="4755976" cy="5944970"/>
+          </a:xfrm>
+          <a:prstGeom prst="roundRect">
+            <a:avLst>
+              <a:gd name="adj" fmla="val 8594"/>
+            </a:avLst>
+          </a:prstGeom>
+          <a:solidFill>
+            <a:srgbClr val="FFFFFF">
+              <a:shade val="85000"/>
+            </a:srgbClr>
+          </a:solidFill>
+          <a:ln>
+            <a:noFill/>
+          </a:ln>
+          <a:effectLst>
+            <a:reflection blurRad="12700" stA="38000" endPos="28000" dist="5000" dir="5400000" sy="-100000" algn="bl" rotWithShape="0"/>
+          </a:effectLst>
+          <a:extLst>
+            <a:ext uri="{909E8E84-426E-40DD-AFC4-6F175D3DCCD1}">
+              <a14:hiddenFill xmlns:a14="http://schemas.microsoft.com/office/drawing/2010/main">
+                <a:solidFill>
+                  <a:srgbClr val="FFFFFF"/>
+                </a:solidFill>
+              </a14:hiddenFill>
+            </a:ext>
+          </a:extLst>
+        </p:spPr>
+      </p:pic>
     </p:spTree>
     <p:extLst>
       <p:ext uri="{BB962C8B-B14F-4D97-AF65-F5344CB8AC3E}">
-        <p14:creationId xmlns:p14="http://schemas.microsoft.com/office/powerpoint/2010/main" val="3233585793"/>
+        <p14:creationId xmlns:p14="http://schemas.microsoft.com/office/powerpoint/2010/main" val="1734036866"/>
+      </p:ext>
+    </p:extLst>
+  </p:cSld>
+  <p:clrMapOvr>
+    <a:masterClrMapping/>
+  </p:clrMapOvr>
+</p:sld>
+</file>
+
+<file path=ppt/slides/slide19.xml><?xml version="1.0" encoding="utf-8"?>
+<p:sld xmlns:a="http://schemas.openxmlformats.org/drawingml/2006/main" xmlns:r="http://schemas.openxmlformats.org/officeDocument/2006/relationships" xmlns:p="http://schemas.openxmlformats.org/presentationml/2006/main">
+  <p:cSld>
+    <p:bg>
+      <p:bgPr>
+        <a:solidFill>
+          <a:schemeClr val="accent5">
+            <a:lumMod val="50000"/>
+          </a:schemeClr>
+        </a:solidFill>
+        <a:effectLst/>
+      </p:bgPr>
+    </p:bg>
+    <p:spTree>
+      <p:nvGrpSpPr>
+        <p:cNvPr id="1" name=""/>
+        <p:cNvGrpSpPr/>
+        <p:nvPr/>
+      </p:nvGrpSpPr>
+      <p:grpSpPr>
+        <a:xfrm>
+          <a:off x="0" y="0"/>
+          <a:ext cx="0" cy="0"/>
+          <a:chOff x="0" y="0"/>
+          <a:chExt cx="0" cy="0"/>
+        </a:xfrm>
+      </p:grpSpPr>
+      <p:pic>
+        <p:nvPicPr>
+          <p:cNvPr id="10" name="Picture 9">
+            <a:extLst>
+              <a:ext uri="{FF2B5EF4-FFF2-40B4-BE49-F238E27FC236}">
+                <a16:creationId xmlns:a16="http://schemas.microsoft.com/office/drawing/2014/main" id="{60D41057-FF96-272B-13A8-9AEB2B02580B}"/>
+              </a:ext>
+            </a:extLst>
+          </p:cNvPr>
+          <p:cNvPicPr>
+            <a:picLocks noChangeAspect="1"/>
+          </p:cNvPicPr>
+          <p:nvPr/>
+        </p:nvPicPr>
+        <p:blipFill>
+          <a:blip r:embed="rId2"/>
+          <a:stretch>
+            <a:fillRect/>
+          </a:stretch>
+        </p:blipFill>
+        <p:spPr>
+          <a:xfrm>
+            <a:off x="0" y="0"/>
+            <a:ext cx="12192000" cy="2807010"/>
+          </a:xfrm>
+          <a:prstGeom prst="rect">
+            <a:avLst/>
+          </a:prstGeom>
+        </p:spPr>
+      </p:pic>
+      <p:sp>
+        <p:nvSpPr>
+          <p:cNvPr id="4" name="Footer Placeholder 3">
+            <a:extLst>
+              <a:ext uri="{FF2B5EF4-FFF2-40B4-BE49-F238E27FC236}">
+                <a16:creationId xmlns:a16="http://schemas.microsoft.com/office/drawing/2014/main" id="{9A8B8F1D-636F-C584-2786-D58711E01A15}"/>
+              </a:ext>
+            </a:extLst>
+          </p:cNvPr>
+          <p:cNvSpPr>
+            <a:spLocks noGrp="1"/>
+          </p:cNvSpPr>
+          <p:nvPr>
+            <p:ph type="ftr" sz="quarter" idx="11"/>
+          </p:nvPr>
+        </p:nvSpPr>
+        <p:spPr/>
+        <p:txBody>
+          <a:bodyPr/>
+          <a:lstStyle/>
+          <a:p>
+            <a:r>
+              <a:rPr lang="en-US"/>
+              <a:t>Fundamental Programming with Python</a:t>
+            </a:r>
+            <a:endParaRPr lang="en-US" dirty="0"/>
+          </a:p>
+        </p:txBody>
+      </p:sp>
+      <p:sp>
+        <p:nvSpPr>
+          <p:cNvPr id="5" name="Slide Number Placeholder 4">
+            <a:extLst>
+              <a:ext uri="{FF2B5EF4-FFF2-40B4-BE49-F238E27FC236}">
+                <a16:creationId xmlns:a16="http://schemas.microsoft.com/office/drawing/2014/main" id="{EFFCA321-5B7B-689E-BBF7-7850B983F538}"/>
+              </a:ext>
+            </a:extLst>
+          </p:cNvPr>
+          <p:cNvSpPr>
+            <a:spLocks noGrp="1"/>
+          </p:cNvSpPr>
+          <p:nvPr>
+            <p:ph type="sldNum" sz="quarter" idx="12"/>
+          </p:nvPr>
+        </p:nvSpPr>
+        <p:spPr/>
+        <p:txBody>
+          <a:bodyPr/>
+          <a:lstStyle/>
+          <a:p>
+            <a:fld id="{0079CAC6-A72B-4EF8-B465-34FA47827E7F}" type="slidenum">
+              <a:rPr lang="en-US" smtClean="0"/>
+              <a:t>19</a:t>
+            </a:fld>
+            <a:endParaRPr lang="en-US" dirty="0"/>
+          </a:p>
+        </p:txBody>
+      </p:sp>
+      <p:sp>
+        <p:nvSpPr>
+          <p:cNvPr id="6" name="Title 5">
+            <a:extLst>
+              <a:ext uri="{FF2B5EF4-FFF2-40B4-BE49-F238E27FC236}">
+                <a16:creationId xmlns:a16="http://schemas.microsoft.com/office/drawing/2014/main" id="{22DCCA5E-76A9-271C-5E90-276968E7BF2D}"/>
+              </a:ext>
+            </a:extLst>
+          </p:cNvPr>
+          <p:cNvSpPr>
+            <a:spLocks noGrp="1"/>
+          </p:cNvSpPr>
+          <p:nvPr>
+            <p:ph type="title"/>
+          </p:nvPr>
+        </p:nvSpPr>
+        <p:spPr>
+          <a:xfrm>
+            <a:off x="1203960" y="2536722"/>
+            <a:ext cx="9784080" cy="1508760"/>
+          </a:xfrm>
+          <a:solidFill>
+            <a:schemeClr val="tx1"/>
+          </a:solidFill>
+          <a:effectLst>
+            <a:glow rad="228600">
+              <a:schemeClr val="accent1">
+                <a:satMod val="175000"/>
+                <a:alpha val="40000"/>
+              </a:schemeClr>
+            </a:glow>
+          </a:effectLst>
+        </p:spPr>
+        <p:txBody>
+          <a:bodyPr>
+            <a:noAutofit/>
+          </a:bodyPr>
+          <a:lstStyle/>
+          <a:p>
+            <a:pPr algn="ctr" rtl="1"/>
+            <a:r>
+              <a:rPr lang="fa-IR" dirty="0">
+                <a:latin typeface="Kalameh" pitchFamily="2" charset="-78"/>
+                <a:cs typeface="Kalameh" pitchFamily="2" charset="-78"/>
+              </a:rPr>
+              <a:t>با این همه کاربردهای مختلف</a:t>
+            </a:r>
+            <a:r>
+              <a:rPr lang="en-US" dirty="0">
+                <a:latin typeface="Kalameh" pitchFamily="2" charset="-78"/>
+                <a:cs typeface="Kalameh" pitchFamily="2" charset="-78"/>
+              </a:rPr>
+              <a:t> </a:t>
+            </a:r>
+            <a:r>
+              <a:rPr lang="fa-IR" dirty="0">
+                <a:latin typeface="Kalameh" pitchFamily="2" charset="-78"/>
+                <a:cs typeface="Kalameh" pitchFamily="2" charset="-78"/>
+              </a:rPr>
+              <a:t> که تا الان گفتم، باز هم ایده برای پروژه پایان </a:t>
+            </a:r>
+            <a:r>
+              <a:rPr lang="fa-IR" dirty="0" err="1">
+                <a:latin typeface="Kalameh" pitchFamily="2" charset="-78"/>
+                <a:cs typeface="Kalameh" pitchFamily="2" charset="-78"/>
+              </a:rPr>
+              <a:t>ترم</a:t>
+            </a:r>
+            <a:r>
+              <a:rPr lang="fa-IR" dirty="0">
+                <a:latin typeface="Kalameh" pitchFamily="2" charset="-78"/>
+                <a:cs typeface="Kalameh" pitchFamily="2" charset="-78"/>
+              </a:rPr>
+              <a:t> نداری؟!؟!</a:t>
+            </a:r>
+            <a:endParaRPr lang="en-US" dirty="0">
+              <a:latin typeface="Kalameh" pitchFamily="2" charset="-78"/>
+              <a:cs typeface="Kalameh" pitchFamily="2" charset="-78"/>
+            </a:endParaRPr>
+          </a:p>
+        </p:txBody>
+      </p:sp>
+      <p:sp>
+        <p:nvSpPr>
+          <p:cNvPr id="8" name="TextBox 7">
+            <a:extLst>
+              <a:ext uri="{FF2B5EF4-FFF2-40B4-BE49-F238E27FC236}">
+                <a16:creationId xmlns:a16="http://schemas.microsoft.com/office/drawing/2014/main" id="{23C61FDB-8704-0FBE-CAF6-C6D0E03CA476}"/>
+              </a:ext>
+            </a:extLst>
+          </p:cNvPr>
+          <p:cNvSpPr txBox="1"/>
+          <p:nvPr/>
+        </p:nvSpPr>
+        <p:spPr>
+          <a:xfrm>
+            <a:off x="1203960" y="4587836"/>
+            <a:ext cx="9784079" cy="461665"/>
+          </a:xfrm>
+          <a:prstGeom prst="rect">
+            <a:avLst/>
+          </a:prstGeom>
+          <a:noFill/>
+        </p:spPr>
+        <p:txBody>
+          <a:bodyPr wrap="square">
+            <a:spAutoFit/>
+          </a:bodyPr>
+          <a:lstStyle/>
+          <a:p>
+            <a:pPr algn="ctr" rtl="1"/>
+            <a:r>
+              <a:rPr lang="fa-IR" sz="2400" dirty="0">
+                <a:solidFill>
+                  <a:schemeClr val="tx1"/>
+                </a:solidFill>
+                <a:latin typeface="Kalameh" pitchFamily="2" charset="-78"/>
+                <a:cs typeface="Kalameh" pitchFamily="2" charset="-78"/>
+              </a:rPr>
+              <a:t>نترس، کنجکاو باش، آرزو کن، شجاع باش، قدم بردار، </a:t>
+            </a:r>
+            <a:r>
+              <a:rPr lang="fa-IR" sz="2400" dirty="0" err="1">
+                <a:solidFill>
+                  <a:schemeClr val="tx1"/>
+                </a:solidFill>
+                <a:latin typeface="Kalameh" pitchFamily="2" charset="-78"/>
+                <a:cs typeface="Kalameh" pitchFamily="2" charset="-78"/>
+              </a:rPr>
+              <a:t>آیندت</a:t>
+            </a:r>
+            <a:r>
+              <a:rPr lang="fa-IR" sz="2400" dirty="0">
+                <a:solidFill>
+                  <a:schemeClr val="tx1"/>
+                </a:solidFill>
+                <a:latin typeface="Kalameh" pitchFamily="2" charset="-78"/>
+                <a:cs typeface="Kalameh" pitchFamily="2" charset="-78"/>
+              </a:rPr>
+              <a:t> رو بساز، آینده رو بساز</a:t>
+            </a:r>
+            <a:endParaRPr lang="en-US" sz="2400" dirty="0"/>
+          </a:p>
+        </p:txBody>
+      </p:sp>
+    </p:spTree>
+    <p:extLst>
+      <p:ext uri="{BB962C8B-B14F-4D97-AF65-F5344CB8AC3E}">
+        <p14:creationId xmlns:p14="http://schemas.microsoft.com/office/powerpoint/2010/main" val="95332347"/>
       </p:ext>
     </p:extLst>
   </p:cSld>
@@ -6871,6 +7177,154 @@
       </p:par>
     </p:tnLst>
   </p:timing>
+</p:sld>
+</file>
+
+<file path=ppt/slides/slide20.xml><?xml version="1.0" encoding="utf-8"?>
+<p:sld xmlns:a="http://schemas.openxmlformats.org/drawingml/2006/main" xmlns:r="http://schemas.openxmlformats.org/officeDocument/2006/relationships" xmlns:p="http://schemas.openxmlformats.org/presentationml/2006/main">
+  <p:cSld>
+    <p:spTree>
+      <p:nvGrpSpPr>
+        <p:cNvPr id="1" name=""/>
+        <p:cNvGrpSpPr/>
+        <p:nvPr/>
+      </p:nvGrpSpPr>
+      <p:grpSpPr>
+        <a:xfrm>
+          <a:off x="0" y="0"/>
+          <a:ext cx="0" cy="0"/>
+          <a:chOff x="0" y="0"/>
+          <a:chExt cx="0" cy="0"/>
+        </a:xfrm>
+      </p:grpSpPr>
+      <p:sp>
+        <p:nvSpPr>
+          <p:cNvPr id="2" name="Title 1">
+            <a:extLst>
+              <a:ext uri="{FF2B5EF4-FFF2-40B4-BE49-F238E27FC236}">
+                <a16:creationId xmlns:a16="http://schemas.microsoft.com/office/drawing/2014/main" id="{E971B2D1-ED4F-3F7E-6680-17E47645F005}"/>
+              </a:ext>
+            </a:extLst>
+          </p:cNvPr>
+          <p:cNvSpPr>
+            <a:spLocks noGrp="1"/>
+          </p:cNvSpPr>
+          <p:nvPr>
+            <p:ph type="title"/>
+          </p:nvPr>
+        </p:nvSpPr>
+        <p:spPr/>
+        <p:txBody>
+          <a:bodyPr/>
+          <a:lstStyle/>
+          <a:p>
+            <a:r>
+              <a:rPr lang="en-US" dirty="0"/>
+              <a:t>Lecture Resources</a:t>
+            </a:r>
+          </a:p>
+        </p:txBody>
+      </p:sp>
+      <p:sp>
+        <p:nvSpPr>
+          <p:cNvPr id="3" name="Content Placeholder 2">
+            <a:extLst>
+              <a:ext uri="{FF2B5EF4-FFF2-40B4-BE49-F238E27FC236}">
+                <a16:creationId xmlns:a16="http://schemas.microsoft.com/office/drawing/2014/main" id="{048171A8-7BC9-A1CC-24DE-D1A363BFCAAB}"/>
+              </a:ext>
+            </a:extLst>
+          </p:cNvPr>
+          <p:cNvSpPr>
+            <a:spLocks noGrp="1"/>
+          </p:cNvSpPr>
+          <p:nvPr>
+            <p:ph idx="1"/>
+          </p:nvPr>
+        </p:nvSpPr>
+        <p:spPr/>
+        <p:txBody>
+          <a:bodyPr>
+            <a:normAutofit/>
+          </a:bodyPr>
+          <a:lstStyle/>
+          <a:p>
+            <a:pPr algn="just"/>
+            <a:endParaRPr lang="en-US" sz="2800" i="1" dirty="0"/>
+          </a:p>
+          <a:p>
+            <a:pPr algn="just"/>
+            <a:endParaRPr lang="en-US" sz="2800" i="1" dirty="0"/>
+          </a:p>
+        </p:txBody>
+      </p:sp>
+      <p:sp>
+        <p:nvSpPr>
+          <p:cNvPr id="4" name="Slide Number Placeholder 3">
+            <a:extLst>
+              <a:ext uri="{FF2B5EF4-FFF2-40B4-BE49-F238E27FC236}">
+                <a16:creationId xmlns:a16="http://schemas.microsoft.com/office/drawing/2014/main" id="{1A07D2F6-E8B4-DCE8-6D7F-E8A49CF5128B}"/>
+              </a:ext>
+            </a:extLst>
+          </p:cNvPr>
+          <p:cNvSpPr>
+            <a:spLocks noGrp="1"/>
+          </p:cNvSpPr>
+          <p:nvPr>
+            <p:ph type="sldNum" sz="quarter" idx="12"/>
+          </p:nvPr>
+        </p:nvSpPr>
+        <p:spPr/>
+        <p:txBody>
+          <a:bodyPr/>
+          <a:lstStyle/>
+          <a:p>
+            <a:fld id="{0079CAC6-A72B-4EF8-B465-34FA47827E7F}" type="slidenum">
+              <a:rPr lang="en-US" smtClean="0"/>
+              <a:t>20</a:t>
+            </a:fld>
+            <a:endParaRPr lang="en-US" dirty="0"/>
+          </a:p>
+        </p:txBody>
+      </p:sp>
+      <p:sp>
+        <p:nvSpPr>
+          <p:cNvPr id="5" name="Footer Placeholder 4">
+            <a:extLst>
+              <a:ext uri="{FF2B5EF4-FFF2-40B4-BE49-F238E27FC236}">
+                <a16:creationId xmlns:a16="http://schemas.microsoft.com/office/drawing/2014/main" id="{F7926C1C-F8F8-36AC-3F81-B1B9194574F2}"/>
+              </a:ext>
+            </a:extLst>
+          </p:cNvPr>
+          <p:cNvSpPr>
+            <a:spLocks noGrp="1"/>
+          </p:cNvSpPr>
+          <p:nvPr>
+            <p:ph type="ftr" sz="quarter" idx="11"/>
+          </p:nvPr>
+        </p:nvSpPr>
+        <p:spPr/>
+        <p:txBody>
+          <a:bodyPr/>
+          <a:lstStyle/>
+          <a:p>
+            <a:r>
+              <a:rPr lang="en-US"/>
+              <a:t>Fundamental Programming with Python</a:t>
+            </a:r>
+            <a:endParaRPr lang="en-US" dirty="0"/>
+          </a:p>
+        </p:txBody>
+      </p:sp>
+    </p:spTree>
+    <p:extLst>
+      <p:ext uri="{BB962C8B-B14F-4D97-AF65-F5344CB8AC3E}">
+        <p14:creationId xmlns:p14="http://schemas.microsoft.com/office/powerpoint/2010/main" val="3233585793"/>
+      </p:ext>
+    </p:extLst>
+  </p:cSld>
+  <p:clrMapOvr>
+    <a:masterClrMapping/>
+  </p:clrMapOvr>
 </p:sld>
 </file>
 
